--- a/design/Application_WireFrame_Detail.pptx
+++ b/design/Application_WireFrame_Detail.pptx
@@ -224,7 +224,7 @@
           <a:p>
             <a:fld id="{F083349B-CB3E-2346-8356-5425D3F54598}" type="datetimeFigureOut">
               <a:rPr lang="en-US" smtClean="0"/>
-              <a:t>1/20/2017</a:t>
+              <a:t>1/23/2017</a:t>
             </a:fld>
             <a:endParaRPr lang="en-US"/>
           </a:p>
@@ -623,7 +623,7 @@
           <a:p>
             <a:fld id="{B4267AB6-785E-CE41-A65F-63EC006527E4}" type="datetimeFigureOut">
               <a:rPr lang="en-US" smtClean="0"/>
-              <a:t>1/20/2017</a:t>
+              <a:t>1/23/2017</a:t>
             </a:fld>
             <a:endParaRPr lang="en-US"/>
           </a:p>
@@ -681,13 +681,13 @@
   <p:clrMapOvr>
     <a:masterClrMapping/>
   </p:clrMapOvr>
-  <mc:AlternateContent xmlns:mc="http://schemas.openxmlformats.org/markup-compatibility/2006">
-    <mc:Choice xmlns:p14="http://schemas.microsoft.com/office/powerpoint/2010/main" Requires="p14">
+  <mc:AlternateContent xmlns:mc="http://schemas.openxmlformats.org/markup-compatibility/2006" xmlns:p14="http://schemas.microsoft.com/office/powerpoint/2010/main">
+    <mc:Choice Requires="p14">
       <p:transition spd="slow" p14:dur="1300">
         <p14:pan/>
       </p:transition>
     </mc:Choice>
-    <mc:Fallback>
+    <mc:Fallback xmlns="">
       <p:transition spd="slow">
         <p:fade/>
       </p:transition>
@@ -805,7 +805,7 @@
           <a:p>
             <a:fld id="{B4267AB6-785E-CE41-A65F-63EC006527E4}" type="datetimeFigureOut">
               <a:rPr lang="en-US" smtClean="0"/>
-              <a:t>1/20/2017</a:t>
+              <a:t>1/23/2017</a:t>
             </a:fld>
             <a:endParaRPr lang="en-US"/>
           </a:p>
@@ -863,13 +863,13 @@
   <p:clrMapOvr>
     <a:masterClrMapping/>
   </p:clrMapOvr>
-  <mc:AlternateContent xmlns:mc="http://schemas.openxmlformats.org/markup-compatibility/2006">
-    <mc:Choice xmlns:p14="http://schemas.microsoft.com/office/powerpoint/2010/main" Requires="p14">
+  <mc:AlternateContent xmlns:mc="http://schemas.openxmlformats.org/markup-compatibility/2006" xmlns:p14="http://schemas.microsoft.com/office/powerpoint/2010/main">
+    <mc:Choice Requires="p14">
       <p:transition spd="slow" p14:dur="1300">
         <p14:pan/>
       </p:transition>
     </mc:Choice>
-    <mc:Fallback>
+    <mc:Fallback xmlns="">
       <p:transition spd="slow">
         <p:fade/>
       </p:transition>
@@ -997,7 +997,7 @@
           <a:p>
             <a:fld id="{B4267AB6-785E-CE41-A65F-63EC006527E4}" type="datetimeFigureOut">
               <a:rPr lang="en-US" smtClean="0"/>
-              <a:t>1/20/2017</a:t>
+              <a:t>1/23/2017</a:t>
             </a:fld>
             <a:endParaRPr lang="en-US"/>
           </a:p>
@@ -1055,13 +1055,13 @@
   <p:clrMapOvr>
     <a:masterClrMapping/>
   </p:clrMapOvr>
-  <mc:AlternateContent xmlns:mc="http://schemas.openxmlformats.org/markup-compatibility/2006">
-    <mc:Choice xmlns:p14="http://schemas.microsoft.com/office/powerpoint/2010/main" Requires="p14">
+  <mc:AlternateContent xmlns:mc="http://schemas.openxmlformats.org/markup-compatibility/2006" xmlns:p14="http://schemas.microsoft.com/office/powerpoint/2010/main">
+    <mc:Choice Requires="p14">
       <p:transition spd="slow" p14:dur="1300">
         <p14:pan/>
       </p:transition>
     </mc:Choice>
-    <mc:Fallback>
+    <mc:Fallback xmlns="">
       <p:transition spd="slow">
         <p:fade/>
       </p:transition>
@@ -1179,7 +1179,7 @@
           <a:p>
             <a:fld id="{B4267AB6-785E-CE41-A65F-63EC006527E4}" type="datetimeFigureOut">
               <a:rPr lang="en-US" smtClean="0"/>
-              <a:t>1/20/2017</a:t>
+              <a:t>1/23/2017</a:t>
             </a:fld>
             <a:endParaRPr lang="en-US"/>
           </a:p>
@@ -1237,13 +1237,13 @@
   <p:clrMapOvr>
     <a:masterClrMapping/>
   </p:clrMapOvr>
-  <mc:AlternateContent xmlns:mc="http://schemas.openxmlformats.org/markup-compatibility/2006">
-    <mc:Choice xmlns:p14="http://schemas.microsoft.com/office/powerpoint/2010/main" Requires="p14">
+  <mc:AlternateContent xmlns:mc="http://schemas.openxmlformats.org/markup-compatibility/2006" xmlns:p14="http://schemas.microsoft.com/office/powerpoint/2010/main">
+    <mc:Choice Requires="p14">
       <p:transition spd="slow" p14:dur="1300">
         <p14:pan/>
       </p:transition>
     </mc:Choice>
-    <mc:Fallback>
+    <mc:Fallback xmlns="">
       <p:transition spd="slow">
         <p:fade/>
       </p:transition>
@@ -1437,7 +1437,7 @@
           <a:p>
             <a:fld id="{B4267AB6-785E-CE41-A65F-63EC006527E4}" type="datetimeFigureOut">
               <a:rPr lang="en-US" smtClean="0"/>
-              <a:t>1/20/2017</a:t>
+              <a:t>1/23/2017</a:t>
             </a:fld>
             <a:endParaRPr lang="en-US"/>
           </a:p>
@@ -1495,13 +1495,13 @@
   <p:clrMapOvr>
     <a:masterClrMapping/>
   </p:clrMapOvr>
-  <mc:AlternateContent xmlns:mc="http://schemas.openxmlformats.org/markup-compatibility/2006">
-    <mc:Choice xmlns:p14="http://schemas.microsoft.com/office/powerpoint/2010/main" Requires="p14">
+  <mc:AlternateContent xmlns:mc="http://schemas.openxmlformats.org/markup-compatibility/2006" xmlns:p14="http://schemas.microsoft.com/office/powerpoint/2010/main">
+    <mc:Choice Requires="p14">
       <p:transition spd="slow" p14:dur="1300">
         <p14:pan/>
       </p:transition>
     </mc:Choice>
-    <mc:Fallback>
+    <mc:Fallback xmlns="">
       <p:transition spd="slow">
         <p:fade/>
       </p:transition>
@@ -1681,7 +1681,7 @@
           <a:p>
             <a:fld id="{B4267AB6-785E-CE41-A65F-63EC006527E4}" type="datetimeFigureOut">
               <a:rPr lang="en-US" smtClean="0"/>
-              <a:t>1/20/2017</a:t>
+              <a:t>1/23/2017</a:t>
             </a:fld>
             <a:endParaRPr lang="en-US"/>
           </a:p>
@@ -1739,13 +1739,13 @@
   <p:clrMapOvr>
     <a:masterClrMapping/>
   </p:clrMapOvr>
-  <mc:AlternateContent xmlns:mc="http://schemas.openxmlformats.org/markup-compatibility/2006">
-    <mc:Choice xmlns:p14="http://schemas.microsoft.com/office/powerpoint/2010/main" Requires="p14">
+  <mc:AlternateContent xmlns:mc="http://schemas.openxmlformats.org/markup-compatibility/2006" xmlns:p14="http://schemas.microsoft.com/office/powerpoint/2010/main">
+    <mc:Choice Requires="p14">
       <p:transition spd="slow" p14:dur="1300">
         <p14:pan/>
       </p:transition>
     </mc:Choice>
-    <mc:Fallback>
+    <mc:Fallback xmlns="">
       <p:transition spd="slow">
         <p:fade/>
       </p:transition>
@@ -2060,7 +2060,7 @@
           <a:p>
             <a:fld id="{B4267AB6-785E-CE41-A65F-63EC006527E4}" type="datetimeFigureOut">
               <a:rPr lang="en-US" smtClean="0"/>
-              <a:t>1/20/2017</a:t>
+              <a:t>1/23/2017</a:t>
             </a:fld>
             <a:endParaRPr lang="en-US"/>
           </a:p>
@@ -2118,13 +2118,13 @@
   <p:clrMapOvr>
     <a:masterClrMapping/>
   </p:clrMapOvr>
-  <mc:AlternateContent xmlns:mc="http://schemas.openxmlformats.org/markup-compatibility/2006">
-    <mc:Choice xmlns:p14="http://schemas.microsoft.com/office/powerpoint/2010/main" Requires="p14">
+  <mc:AlternateContent xmlns:mc="http://schemas.openxmlformats.org/markup-compatibility/2006" xmlns:p14="http://schemas.microsoft.com/office/powerpoint/2010/main">
+    <mc:Choice Requires="p14">
       <p:transition spd="slow" p14:dur="1300">
         <p14:pan/>
       </p:transition>
     </mc:Choice>
-    <mc:Fallback>
+    <mc:Fallback xmlns="">
       <p:transition spd="slow">
         <p:fade/>
       </p:transition>
@@ -2190,7 +2190,7 @@
           <a:p>
             <a:fld id="{B4267AB6-785E-CE41-A65F-63EC006527E4}" type="datetimeFigureOut">
               <a:rPr lang="en-US" smtClean="0"/>
-              <a:t>1/20/2017</a:t>
+              <a:t>1/23/2017</a:t>
             </a:fld>
             <a:endParaRPr lang="en-US"/>
           </a:p>
@@ -2248,13 +2248,13 @@
   <p:clrMapOvr>
     <a:masterClrMapping/>
   </p:clrMapOvr>
-  <mc:AlternateContent xmlns:mc="http://schemas.openxmlformats.org/markup-compatibility/2006">
-    <mc:Choice xmlns:p14="http://schemas.microsoft.com/office/powerpoint/2010/main" Requires="p14">
+  <mc:AlternateContent xmlns:mc="http://schemas.openxmlformats.org/markup-compatibility/2006" xmlns:p14="http://schemas.microsoft.com/office/powerpoint/2010/main">
+    <mc:Choice Requires="p14">
       <p:transition spd="slow" p14:dur="1300">
         <p14:pan/>
       </p:transition>
     </mc:Choice>
-    <mc:Fallback>
+    <mc:Fallback xmlns="">
       <p:transition spd="slow">
         <p:fade/>
       </p:transition>
@@ -2297,7 +2297,7 @@
           <a:p>
             <a:fld id="{B4267AB6-785E-CE41-A65F-63EC006527E4}" type="datetimeFigureOut">
               <a:rPr lang="en-US" smtClean="0"/>
-              <a:t>1/20/2017</a:t>
+              <a:t>1/23/2017</a:t>
             </a:fld>
             <a:endParaRPr lang="en-US"/>
           </a:p>
@@ -2355,13 +2355,13 @@
   <p:clrMapOvr>
     <a:masterClrMapping/>
   </p:clrMapOvr>
-  <mc:AlternateContent xmlns:mc="http://schemas.openxmlformats.org/markup-compatibility/2006">
-    <mc:Choice xmlns:p14="http://schemas.microsoft.com/office/powerpoint/2010/main" Requires="p14">
+  <mc:AlternateContent xmlns:mc="http://schemas.openxmlformats.org/markup-compatibility/2006" xmlns:p14="http://schemas.microsoft.com/office/powerpoint/2010/main">
+    <mc:Choice Requires="p14">
       <p:transition spd="slow" p14:dur="1300">
         <p14:pan/>
       </p:transition>
     </mc:Choice>
-    <mc:Fallback>
+    <mc:Fallback xmlns="">
       <p:transition spd="slow">
         <p:fade/>
       </p:transition>
@@ -2586,7 +2586,7 @@
           <a:p>
             <a:fld id="{B4267AB6-785E-CE41-A65F-63EC006527E4}" type="datetimeFigureOut">
               <a:rPr lang="en-US" smtClean="0"/>
-              <a:t>1/20/2017</a:t>
+              <a:t>1/23/2017</a:t>
             </a:fld>
             <a:endParaRPr lang="en-US"/>
           </a:p>
@@ -2644,13 +2644,13 @@
   <p:clrMapOvr>
     <a:masterClrMapping/>
   </p:clrMapOvr>
-  <mc:AlternateContent xmlns:mc="http://schemas.openxmlformats.org/markup-compatibility/2006">
-    <mc:Choice xmlns:p14="http://schemas.microsoft.com/office/powerpoint/2010/main" Requires="p14">
+  <mc:AlternateContent xmlns:mc="http://schemas.openxmlformats.org/markup-compatibility/2006" xmlns:p14="http://schemas.microsoft.com/office/powerpoint/2010/main">
+    <mc:Choice Requires="p14">
       <p:transition spd="slow" p14:dur="1300">
         <p14:pan/>
       </p:transition>
     </mc:Choice>
-    <mc:Fallback>
+    <mc:Fallback xmlns="">
       <p:transition spd="slow">
         <p:fade/>
       </p:transition>
@@ -2851,7 +2851,7 @@
           <a:p>
             <a:fld id="{B4267AB6-785E-CE41-A65F-63EC006527E4}" type="datetimeFigureOut">
               <a:rPr lang="en-US" smtClean="0"/>
-              <a:t>1/20/2017</a:t>
+              <a:t>1/23/2017</a:t>
             </a:fld>
             <a:endParaRPr lang="en-US"/>
           </a:p>
@@ -2909,13 +2909,13 @@
   <p:clrMapOvr>
     <a:masterClrMapping/>
   </p:clrMapOvr>
-  <mc:AlternateContent xmlns:mc="http://schemas.openxmlformats.org/markup-compatibility/2006">
-    <mc:Choice xmlns:p14="http://schemas.microsoft.com/office/powerpoint/2010/main" Requires="p14">
+  <mc:AlternateContent xmlns:mc="http://schemas.openxmlformats.org/markup-compatibility/2006" xmlns:p14="http://schemas.microsoft.com/office/powerpoint/2010/main">
+    <mc:Choice Requires="p14">
       <p:transition spd="slow" p14:dur="1300">
         <p14:pan/>
       </p:transition>
     </mc:Choice>
-    <mc:Fallback>
+    <mc:Fallback xmlns="">
       <p:transition spd="slow">
         <p:fade/>
       </p:transition>
@@ -3076,7 +3076,7 @@
           <a:p>
             <a:fld id="{B4267AB6-785E-CE41-A65F-63EC006527E4}" type="datetimeFigureOut">
               <a:rPr lang="en-US" smtClean="0"/>
-              <a:t>1/20/2017</a:t>
+              <a:t>1/23/2017</a:t>
             </a:fld>
             <a:endParaRPr lang="en-US"/>
           </a:p>
@@ -3181,13 +3181,13 @@
     <p:sldLayoutId id="2147483658" r:id="rId10"/>
     <p:sldLayoutId id="2147483659" r:id="rId11"/>
   </p:sldLayoutIdLst>
-  <mc:AlternateContent xmlns:mc="http://schemas.openxmlformats.org/markup-compatibility/2006">
-    <mc:Choice xmlns:p14="http://schemas.microsoft.com/office/powerpoint/2010/main" Requires="p14">
+  <mc:AlternateContent xmlns:mc="http://schemas.openxmlformats.org/markup-compatibility/2006" xmlns:p14="http://schemas.microsoft.com/office/powerpoint/2010/main">
+    <mc:Choice Requires="p14">
       <p:transition spd="slow" p14:dur="1300">
         <p14:pan/>
       </p:transition>
     </mc:Choice>
-    <mc:Fallback>
+    <mc:Fallback xmlns="">
       <p:transition spd="slow">
         <p:fade/>
       </p:transition>
@@ -3599,7 +3599,7 @@
             <a:avLst/>
           </a:prstGeom>
           <a:solidFill>
-            <a:srgbClr val="B4B4B4"/>
+            <a:schemeClr val="bg2"/>
           </a:solidFill>
           <a:ln>
             <a:noFill/>
@@ -4145,7 +4145,7 @@
             <a:avLst/>
           </a:prstGeom>
           <a:solidFill>
-            <a:srgbClr val="B4B4B4"/>
+            <a:schemeClr val="bg2"/>
           </a:solidFill>
           <a:ln>
             <a:noFill/>
@@ -4210,7 +4210,7 @@
   </p:clrMapOvr>
   <mc:AlternateContent xmlns:mc="http://schemas.openxmlformats.org/markup-compatibility/2006">
     <mc:Choice xmlns:p14="http://schemas.microsoft.com/office/powerpoint/2010/main" Requires="p14">
-      <p:transition p14:dur="0"/>
+      <p:transition p14:dur="10"/>
     </mc:Choice>
     <mc:Fallback>
       <p:transition/>
@@ -4646,7 +4646,7 @@
             <a:avLst/>
           </a:prstGeom>
           <a:solidFill>
-            <a:srgbClr val="B4B4B4"/>
+            <a:schemeClr val="bg2"/>
           </a:solidFill>
           <a:ln>
             <a:noFill/>
@@ -5199,7 +5199,7 @@
             </a:avLst>
           </a:prstGeom>
           <a:solidFill>
-            <a:srgbClr val="B4B4B4"/>
+            <a:schemeClr val="bg2"/>
           </a:solidFill>
           <a:ln>
             <a:solidFill>
@@ -5263,7 +5263,7 @@
             </a:avLst>
           </a:prstGeom>
           <a:solidFill>
-            <a:srgbClr val="B4B4B4"/>
+            <a:schemeClr val="bg2"/>
           </a:solidFill>
           <a:ln>
             <a:solidFill>
@@ -5327,7 +5327,7 @@
             </a:avLst>
           </a:prstGeom>
           <a:solidFill>
-            <a:srgbClr val="B4B4B4"/>
+            <a:schemeClr val="bg2"/>
           </a:solidFill>
           <a:ln>
             <a:solidFill>
@@ -5391,7 +5391,7 @@
             </a:avLst>
           </a:prstGeom>
           <a:solidFill>
-            <a:srgbClr val="B4B4B4"/>
+            <a:schemeClr val="bg2"/>
           </a:solidFill>
           <a:ln>
             <a:solidFill>
@@ -5455,7 +5455,7 @@
             </a:avLst>
           </a:prstGeom>
           <a:solidFill>
-            <a:srgbClr val="B4B4B4"/>
+            <a:schemeClr val="bg2"/>
           </a:solidFill>
           <a:ln>
             <a:solidFill>
@@ -5519,7 +5519,7 @@
             </a:avLst>
           </a:prstGeom>
           <a:solidFill>
-            <a:srgbClr val="B4B4B4"/>
+            <a:schemeClr val="bg2"/>
           </a:solidFill>
           <a:ln>
             <a:solidFill>
@@ -5587,7 +5587,7 @@
             </a:avLst>
           </a:prstGeom>
           <a:solidFill>
-            <a:srgbClr val="B4B4B4"/>
+            <a:schemeClr val="bg2"/>
           </a:solidFill>
           <a:ln>
             <a:solidFill>
@@ -5641,13 +5641,13 @@
   <p:clrMapOvr>
     <a:masterClrMapping/>
   </p:clrMapOvr>
-  <mc:AlternateContent xmlns:mc="http://schemas.openxmlformats.org/markup-compatibility/2006">
-    <mc:Choice xmlns:p14="http://schemas.microsoft.com/office/powerpoint/2010/main" Requires="p14">
+  <mc:AlternateContent xmlns:mc="http://schemas.openxmlformats.org/markup-compatibility/2006" xmlns:p14="http://schemas.microsoft.com/office/powerpoint/2010/main">
+    <mc:Choice Requires="p14">
       <p:transition spd="slow" p14:dur="1300">
         <p14:pan/>
       </p:transition>
     </mc:Choice>
-    <mc:Fallback>
+    <mc:Fallback xmlns="">
       <p:transition spd="slow">
         <p:fade/>
       </p:transition>
@@ -6138,7 +6138,7 @@
             <a:avLst/>
           </a:prstGeom>
           <a:solidFill>
-            <a:srgbClr val="B4B4B4"/>
+            <a:schemeClr val="bg2"/>
           </a:solidFill>
           <a:ln>
             <a:noFill/>
@@ -6511,7 +6511,7 @@
             <a:avLst/>
           </a:prstGeom>
           <a:solidFill>
-            <a:srgbClr val="B4B4B4"/>
+            <a:schemeClr val="bg2"/>
           </a:solidFill>
           <a:ln>
             <a:noFill/>
@@ -6584,7 +6584,7 @@
             <a:avLst/>
           </a:prstGeom>
           <a:solidFill>
-            <a:srgbClr val="B4B4B4"/>
+            <a:schemeClr val="bg2"/>
           </a:solidFill>
           <a:ln>
             <a:noFill/>
@@ -6771,7 +6771,7 @@
             <a:avLst/>
           </a:prstGeom>
           <a:solidFill>
-            <a:srgbClr val="B4B4B4"/>
+            <a:schemeClr val="bg2"/>
           </a:solidFill>
           <a:ln>
             <a:noFill/>
@@ -6844,7 +6844,7 @@
             <a:avLst/>
           </a:prstGeom>
           <a:solidFill>
-            <a:srgbClr val="B4B4B4"/>
+            <a:schemeClr val="bg2"/>
           </a:solidFill>
           <a:ln>
             <a:noFill/>
@@ -6907,7 +6907,7 @@
             <a:avLst/>
           </a:prstGeom>
           <a:solidFill>
-            <a:srgbClr val="B4B4B4"/>
+            <a:schemeClr val="bg2"/>
           </a:solidFill>
           <a:ln>
             <a:noFill/>
@@ -6980,7 +6980,7 @@
             <a:avLst/>
           </a:prstGeom>
           <a:solidFill>
-            <a:srgbClr val="B4B4B4"/>
+            <a:schemeClr val="bg2"/>
           </a:solidFill>
           <a:ln>
             <a:noFill/>
@@ -7045,7 +7045,7 @@
             <a:avLst/>
           </a:prstGeom>
           <a:solidFill>
-            <a:srgbClr val="B4B4B4"/>
+            <a:schemeClr val="bg2"/>
           </a:solidFill>
           <a:ln>
             <a:noFill/>
@@ -7118,7 +7118,7 @@
             <a:avLst/>
           </a:prstGeom>
           <a:solidFill>
-            <a:srgbClr val="B4B4B4"/>
+            <a:schemeClr val="bg2"/>
           </a:solidFill>
           <a:ln>
             <a:noFill/>
@@ -7188,7 +7188,7 @@
         </p:blipFill>
         <p:spPr>
           <a:xfrm>
-            <a:off x="6681662" y="1693607"/>
+            <a:off x="6699080" y="1693607"/>
             <a:ext cx="182880" cy="182880"/>
           </a:xfrm>
           <a:prstGeom prst="rect">
@@ -7216,7 +7216,7 @@
             </a:avLst>
           </a:prstGeom>
           <a:solidFill>
-            <a:srgbClr val="B4B4B4"/>
+            <a:schemeClr val="bg2"/>
           </a:solidFill>
           <a:ln>
             <a:solidFill>
@@ -7286,7 +7286,7 @@
             </a:avLst>
           </a:prstGeom>
           <a:solidFill>
-            <a:srgbClr val="B4B4B4"/>
+            <a:schemeClr val="bg2"/>
           </a:solidFill>
           <a:ln>
             <a:solidFill>
@@ -7356,7 +7356,7 @@
             </a:avLst>
           </a:prstGeom>
           <a:solidFill>
-            <a:srgbClr val="B4B4B4"/>
+            <a:schemeClr val="bg2"/>
           </a:solidFill>
           <a:ln>
             <a:solidFill>
@@ -7435,7 +7435,7 @@
             </a:avLst>
           </a:prstGeom>
           <a:solidFill>
-            <a:srgbClr val="B4B4B4"/>
+            <a:schemeClr val="bg2"/>
           </a:solidFill>
           <a:ln>
             <a:solidFill>
@@ -7517,7 +7517,7 @@
             </a:avLst>
           </a:prstGeom>
           <a:solidFill>
-            <a:srgbClr val="B4B4B4"/>
+            <a:schemeClr val="bg2"/>
           </a:solidFill>
           <a:ln>
             <a:solidFill>
@@ -7680,13 +7680,13 @@
   <p:clrMapOvr>
     <a:masterClrMapping/>
   </p:clrMapOvr>
-  <mc:AlternateContent xmlns:mc="http://schemas.openxmlformats.org/markup-compatibility/2006">
-    <mc:Choice xmlns:p14="http://schemas.microsoft.com/office/powerpoint/2010/main" Requires="p14">
+  <mc:AlternateContent xmlns:mc="http://schemas.openxmlformats.org/markup-compatibility/2006" xmlns:p14="http://schemas.microsoft.com/office/powerpoint/2010/main">
+    <mc:Choice Requires="p14">
       <p:transition spd="slow" p14:dur="1300">
         <p14:pan/>
       </p:transition>
     </mc:Choice>
-    <mc:Fallback>
+    <mc:Fallback xmlns="">
       <p:transition spd="slow">
         <p:fade/>
       </p:transition>
@@ -8132,7 +8132,7 @@
             <a:avLst/>
           </a:prstGeom>
           <a:solidFill>
-            <a:srgbClr val="B4B4B4"/>
+            <a:schemeClr val="bg2"/>
           </a:solidFill>
           <a:ln>
             <a:noFill/>
@@ -8217,14 +8217,6 @@
               </a:rPr>
               <a:t>Topic Name</a:t>
             </a:r>
-            <a:endParaRPr lang="en-US" sz="1200" b="1" dirty="0" smtClean="0">
-              <a:solidFill>
-                <a:schemeClr val="tx1"/>
-              </a:solidFill>
-              <a:latin typeface="SF UI Text" charset="0"/>
-              <a:ea typeface="SF UI Text" charset="0"/>
-              <a:cs typeface="SF UI Text" charset="0"/>
-            </a:endParaRPr>
           </a:p>
           <a:p>
             <a:pPr algn="just"/>
@@ -8803,7 +8795,7 @@
             </a:avLst>
           </a:prstGeom>
           <a:solidFill>
-            <a:srgbClr val="B4B4B4"/>
+            <a:schemeClr val="bg2"/>
           </a:solidFill>
           <a:ln>
             <a:solidFill>
@@ -8873,7 +8865,7 @@
             </a:avLst>
           </a:prstGeom>
           <a:solidFill>
-            <a:srgbClr val="B4B4B4"/>
+            <a:schemeClr val="bg2"/>
           </a:solidFill>
           <a:ln>
             <a:solidFill>
@@ -8915,19 +8907,7 @@
               <a:rPr lang="en-US" sz="1000" dirty="0" smtClean="0">
                 <a:latin typeface="SF UI Text"/>
               </a:rPr>
-              <a:t>Takes you to the </a:t>
-            </a:r>
-            <a:r>
-              <a:rPr lang="en-US" sz="1000" dirty="0" smtClean="0">
-                <a:latin typeface="SF UI Text"/>
-              </a:rPr>
-              <a:t>local previous </a:t>
-            </a:r>
-            <a:r>
-              <a:rPr lang="en-US" sz="1000" dirty="0" smtClean="0">
-                <a:latin typeface="SF UI Text"/>
-              </a:rPr>
-              <a:t>page</a:t>
+              <a:t>Takes you to the local previous page</a:t>
             </a:r>
             <a:endParaRPr lang="en-US" sz="1000" dirty="0">
               <a:latin typeface="SF UI Text"/>
@@ -8955,7 +8935,7 @@
             </a:avLst>
           </a:prstGeom>
           <a:solidFill>
-            <a:srgbClr val="B4B4B4"/>
+            <a:schemeClr val="bg2"/>
           </a:solidFill>
           <a:ln>
             <a:solidFill>
@@ -9034,7 +9014,7 @@
             </a:avLst>
           </a:prstGeom>
           <a:solidFill>
-            <a:srgbClr val="B4B4B4"/>
+            <a:schemeClr val="bg2"/>
           </a:solidFill>
           <a:ln>
             <a:solidFill>
@@ -9099,7 +9079,7 @@
             <a:avLst/>
           </a:prstGeom>
           <a:solidFill>
-            <a:srgbClr val="B4B4B4"/>
+            <a:schemeClr val="bg2"/>
           </a:solidFill>
           <a:ln>
             <a:noFill/>
@@ -9170,7 +9150,7 @@
             <a:avLst/>
           </a:prstGeom>
           <a:solidFill>
-            <a:srgbClr val="B4B4B4"/>
+            <a:schemeClr val="bg2"/>
           </a:solidFill>
           <a:ln>
             <a:noFill/>
@@ -9215,14 +9195,6 @@
               </a:rPr>
               <a:t>Subsection 2</a:t>
             </a:r>
-            <a:endParaRPr lang="en-US" sz="1000" dirty="0" smtClean="0">
-              <a:solidFill>
-                <a:schemeClr val="tx1"/>
-              </a:solidFill>
-              <a:latin typeface="SF UI Text" charset="0"/>
-              <a:ea typeface="SF UI Text" charset="0"/>
-              <a:cs typeface="SF UI Text" charset="0"/>
-            </a:endParaRPr>
           </a:p>
         </p:txBody>
       </p:sp>
@@ -9246,7 +9218,7 @@
             </a:avLst>
           </a:prstGeom>
           <a:solidFill>
-            <a:srgbClr val="B4B4B4"/>
+            <a:schemeClr val="bg2"/>
           </a:solidFill>
           <a:ln>
             <a:solidFill>
@@ -9281,9 +9253,6 @@
               </a:rPr>
               <a:t>Details</a:t>
             </a:r>
-            <a:endParaRPr lang="en-US" sz="1200" dirty="0" smtClean="0">
-              <a:latin typeface="SF UI Text"/>
-            </a:endParaRPr>
           </a:p>
           <a:p>
             <a:pPr algn="ctr"/>
@@ -9319,7 +9288,7 @@
             </a:avLst>
           </a:prstGeom>
           <a:solidFill>
-            <a:srgbClr val="B4B4B4"/>
+            <a:schemeClr val="bg2"/>
           </a:solidFill>
           <a:ln>
             <a:solidFill>
@@ -9361,13 +9330,7 @@
               <a:rPr lang="en-US" sz="1000" dirty="0" smtClean="0">
                 <a:latin typeface="SF UI Text"/>
               </a:rPr>
-              <a:t>These buttons will direc</a:t>
-            </a:r>
-            <a:r>
-              <a:rPr lang="en-US" sz="1000" dirty="0" smtClean="0">
-                <a:latin typeface="SF UI Text"/>
-              </a:rPr>
-              <a:t>t the user to a heading in the page that appears below (long pages only)</a:t>
+              <a:t>These buttons will direct the user to a heading in the page that appears below (long pages only)</a:t>
             </a:r>
             <a:endParaRPr lang="en-US" sz="1000" dirty="0">
               <a:latin typeface="SF UI Text"/>
@@ -9385,13 +9348,13 @@
   <p:clrMapOvr>
     <a:masterClrMapping/>
   </p:clrMapOvr>
-  <mc:AlternateContent xmlns:mc="http://schemas.openxmlformats.org/markup-compatibility/2006">
-    <mc:Choice xmlns:p14="http://schemas.microsoft.com/office/powerpoint/2010/main" Requires="p14">
+  <mc:AlternateContent xmlns:mc="http://schemas.openxmlformats.org/markup-compatibility/2006" xmlns:p14="http://schemas.microsoft.com/office/powerpoint/2010/main">
+    <mc:Choice Requires="p14">
       <p:transition spd="slow" p14:dur="1300">
         <p14:pan/>
       </p:transition>
     </mc:Choice>
-    <mc:Fallback>
+    <mc:Fallback xmlns="">
       <p:transition spd="slow">
         <p:fade/>
       </p:transition>
@@ -9837,7 +9800,7 @@
             <a:avLst/>
           </a:prstGeom>
           <a:solidFill>
-            <a:srgbClr val="B4B4B4"/>
+            <a:schemeClr val="bg2"/>
           </a:solidFill>
           <a:ln>
             <a:noFill/>
@@ -10106,7 +10069,7 @@
             <a:avLst/>
           </a:prstGeom>
           <a:solidFill>
-            <a:srgbClr val="B4B4B4"/>
+            <a:schemeClr val="bg2"/>
           </a:solidFill>
           <a:ln>
             <a:noFill/>
@@ -10224,7 +10187,7 @@
               <a:avLst/>
             </a:prstGeom>
             <a:solidFill>
-              <a:srgbClr val="B4B4B4"/>
+              <a:schemeClr val="bg2"/>
             </a:solidFill>
             <a:ln>
               <a:noFill/>
@@ -10354,7 +10317,7 @@
               <a:avLst/>
             </a:prstGeom>
             <a:solidFill>
-              <a:srgbClr val="B4B4B4"/>
+              <a:schemeClr val="bg2"/>
             </a:solidFill>
             <a:ln>
               <a:noFill/>
@@ -10484,7 +10447,7 @@
               <a:avLst/>
             </a:prstGeom>
             <a:solidFill>
-              <a:srgbClr val="B4B4B4"/>
+              <a:schemeClr val="bg2"/>
             </a:solidFill>
             <a:ln>
               <a:noFill/>
@@ -10614,7 +10577,7 @@
               <a:avLst/>
             </a:prstGeom>
             <a:solidFill>
-              <a:srgbClr val="B4B4B4"/>
+              <a:schemeClr val="bg2"/>
             </a:solidFill>
             <a:ln>
               <a:noFill/>
@@ -10815,7 +10778,7 @@
             <a:avLst/>
           </a:prstGeom>
           <a:solidFill>
-            <a:srgbClr val="B4B4B4"/>
+            <a:schemeClr val="bg2"/>
           </a:solidFill>
           <a:ln w="38100">
             <a:solidFill>
@@ -10960,7 +10923,7 @@
               <a:avLst/>
             </a:prstGeom>
             <a:solidFill>
-              <a:srgbClr val="B4B4B4"/>
+              <a:schemeClr val="bg2"/>
             </a:solidFill>
             <a:ln w="19050">
               <a:solidFill>
@@ -11148,7 +11111,7 @@
             <a:avLst/>
           </a:prstGeom>
           <a:solidFill>
-            <a:srgbClr val="B4B4B4"/>
+            <a:schemeClr val="bg2"/>
           </a:solidFill>
           <a:ln>
             <a:noFill/>
@@ -11251,14 +11214,6 @@
               </a:rPr>
               <a:t>Pic</a:t>
             </a:r>
-            <a:endParaRPr lang="en-US" sz="900" dirty="0">
-              <a:solidFill>
-                <a:schemeClr val="tx1"/>
-              </a:solidFill>
-              <a:latin typeface="SF UI Text" charset="0"/>
-              <a:ea typeface="SF UI Text" charset="0"/>
-              <a:cs typeface="SF UI Text" charset="0"/>
-            </a:endParaRPr>
           </a:p>
         </p:txBody>
       </p:sp>
@@ -11417,7 +11372,7 @@
             <a:avLst/>
           </a:prstGeom>
           <a:solidFill>
-            <a:srgbClr val="B4B4B4"/>
+            <a:schemeClr val="bg2"/>
           </a:solidFill>
           <a:ln>
             <a:noFill/>
@@ -11535,7 +11490,7 @@
               <a:avLst/>
             </a:prstGeom>
             <a:solidFill>
-              <a:srgbClr val="B4B4B4"/>
+              <a:schemeClr val="bg2"/>
             </a:solidFill>
             <a:ln>
               <a:noFill/>
@@ -11665,7 +11620,7 @@
               <a:avLst/>
             </a:prstGeom>
             <a:solidFill>
-              <a:srgbClr val="B4B4B4"/>
+              <a:schemeClr val="bg2"/>
             </a:solidFill>
             <a:ln>
               <a:noFill/>
@@ -11795,7 +11750,7 @@
               <a:avLst/>
             </a:prstGeom>
             <a:solidFill>
-              <a:srgbClr val="B4B4B4"/>
+              <a:schemeClr val="bg2"/>
             </a:solidFill>
             <a:ln>
               <a:noFill/>
@@ -11925,7 +11880,7 @@
               <a:avLst/>
             </a:prstGeom>
             <a:solidFill>
-              <a:srgbClr val="B4B4B4"/>
+              <a:schemeClr val="bg2"/>
             </a:solidFill>
             <a:ln>
               <a:noFill/>
@@ -12126,7 +12081,7 @@
               <a:avLst/>
             </a:prstGeom>
             <a:solidFill>
-              <a:srgbClr val="B4B4B4"/>
+              <a:schemeClr val="bg2"/>
             </a:solidFill>
             <a:ln w="19050">
               <a:solidFill>
@@ -12217,7 +12172,7 @@
           <p:nvPr>
             <p:extLst>
               <p:ext uri="{D42A27DB-BD31-4B8C-83A1-F6EECF244321}">
-                <p14:modId xmlns:p14="http://schemas.microsoft.com/office/powerpoint/2010/main" val="3109941508"/>
+                <p14:modId xmlns:p14="http://schemas.microsoft.com/office/powerpoint/2010/main" val="2419677798"/>
               </p:ext>
             </p:extLst>
           </p:nvPr>
@@ -12253,7 +12208,11 @@
                       </a:endParaRPr>
                     </a:p>
                   </a:txBody>
-                  <a:tcPr anchor="ctr"/>
+                  <a:tcPr anchor="ctr">
+                    <a:solidFill>
+                      <a:schemeClr val="tx1"/>
+                    </a:solidFill>
+                  </a:tcPr>
                 </a:tc>
                 <a:tc>
                   <a:txBody>
@@ -12271,7 +12230,11 @@
                       </a:endParaRPr>
                     </a:p>
                   </a:txBody>
-                  <a:tcPr anchor="ctr"/>
+                  <a:tcPr anchor="ctr">
+                    <a:solidFill>
+                      <a:schemeClr val="tx1"/>
+                    </a:solidFill>
+                  </a:tcPr>
                 </a:tc>
               </a:tr>
               <a:tr h="370840">
@@ -12306,7 +12269,11 @@
                       </a:endParaRPr>
                     </a:p>
                   </a:txBody>
-                  <a:tcPr/>
+                  <a:tcPr>
+                    <a:solidFill>
+                      <a:schemeClr val="bg2"/>
+                    </a:solidFill>
+                  </a:tcPr>
                 </a:tc>
                 <a:tc>
                   <a:txBody>
@@ -12325,7 +12292,11 @@
                       </a:endParaRPr>
                     </a:p>
                   </a:txBody>
-                  <a:tcPr anchor="ctr"/>
+                  <a:tcPr anchor="ctr">
+                    <a:solidFill>
+                      <a:schemeClr val="bg2"/>
+                    </a:solidFill>
+                  </a:tcPr>
                 </a:tc>
               </a:tr>
               <a:tr h="370840">
@@ -12338,17 +12309,8 @@
                         <a:rPr lang="en-US" sz="1200" dirty="0" smtClean="0">
                           <a:latin typeface="SF UI Text"/>
                         </a:rPr>
-                        <a:t>Course </a:t>
+                        <a:t>Course #2</a:t>
                       </a:r>
-                      <a:r>
-                        <a:rPr lang="en-US" sz="1200" dirty="0" smtClean="0">
-                          <a:latin typeface="SF UI Text"/>
-                        </a:rPr>
-                        <a:t>#2</a:t>
-                      </a:r>
-                      <a:endParaRPr lang="en-US" sz="1200" dirty="0" smtClean="0">
-                        <a:latin typeface="SF UI Text"/>
-                      </a:endParaRPr>
                     </a:p>
                     <a:p>
                       <a:pPr algn="r"/>
@@ -12356,13 +12318,7 @@
                         <a:rPr lang="en-US" sz="900" dirty="0" smtClean="0">
                           <a:latin typeface="SF UI Text"/>
                         </a:rPr>
-                        <a:t>T </a:t>
-                      </a:r>
-                      <a:r>
-                        <a:rPr lang="en-US" sz="900" dirty="0" smtClean="0">
-                          <a:latin typeface="SF UI Text"/>
-                        </a:rPr>
-                        <a:t>| </a:t>
+                        <a:t>T | </a:t>
                       </a:r>
                       <a:r>
                         <a:rPr lang="en-US" sz="900" dirty="0" err="1" smtClean="0">
@@ -12380,13 +12336,7 @@
                         <a:rPr lang="en-US" sz="900" baseline="0" dirty="0" smtClean="0">
                           <a:latin typeface="SF UI Text"/>
                         </a:rPr>
-                        <a:t> </a:t>
-                      </a:r>
-                      <a:r>
-                        <a:rPr lang="en-US" sz="900" baseline="0" dirty="0" smtClean="0">
-                          <a:latin typeface="SF UI Text"/>
-                        </a:rPr>
-                        <a:t>p.m.</a:t>
+                        <a:t> p.m.</a:t>
                       </a:r>
                       <a:endParaRPr lang="en-US" sz="800" dirty="0">
                         <a:latin typeface="SF UI Text"/>
@@ -12425,17 +12375,8 @@
                         <a:rPr lang="en-US" sz="1200" dirty="0" smtClean="0">
                           <a:latin typeface="SF UI Text"/>
                         </a:rPr>
-                        <a:t>Course </a:t>
+                        <a:t>Course #3</a:t>
                       </a:r>
-                      <a:r>
-                        <a:rPr lang="en-US" sz="1200" dirty="0" smtClean="0">
-                          <a:latin typeface="SF UI Text"/>
-                        </a:rPr>
-                        <a:t>#3</a:t>
-                      </a:r>
-                      <a:endParaRPr lang="en-US" sz="1200" dirty="0" smtClean="0">
-                        <a:latin typeface="SF UI Text"/>
-                      </a:endParaRPr>
                     </a:p>
                     <a:p>
                       <a:pPr algn="r"/>
@@ -12449,20 +12390,18 @@
                         <a:rPr lang="en-US" sz="900" baseline="0" dirty="0" smtClean="0">
                           <a:latin typeface="SF UI Text"/>
                         </a:rPr>
-                        <a:t> a.m</a:t>
-                      </a:r>
-                      <a:r>
-                        <a:rPr lang="en-US" sz="900" baseline="0" dirty="0" smtClean="0">
-                          <a:latin typeface="SF UI Text"/>
-                        </a:rPr>
-                        <a:t>.</a:t>
+                        <a:t> a.m.</a:t>
                       </a:r>
                       <a:endParaRPr lang="en-US" sz="800" dirty="0">
                         <a:latin typeface="SF UI Text"/>
                       </a:endParaRPr>
                     </a:p>
                   </a:txBody>
-                  <a:tcPr/>
+                  <a:tcPr>
+                    <a:solidFill>
+                      <a:schemeClr val="bg2"/>
+                    </a:solidFill>
+                  </a:tcPr>
                 </a:tc>
                 <a:tc>
                   <a:txBody>
@@ -12481,7 +12420,11 @@
                       </a:endParaRPr>
                     </a:p>
                   </a:txBody>
-                  <a:tcPr anchor="ctr"/>
+                  <a:tcPr anchor="ctr">
+                    <a:solidFill>
+                      <a:schemeClr val="bg2"/>
+                    </a:solidFill>
+                  </a:tcPr>
                 </a:tc>
               </a:tr>
               <a:tr h="370840">
@@ -12494,17 +12437,8 @@
                         <a:rPr lang="en-US" sz="1200" dirty="0" smtClean="0">
                           <a:latin typeface="SF UI Text"/>
                         </a:rPr>
-                        <a:t>Course </a:t>
+                        <a:t>Course #4</a:t>
                       </a:r>
-                      <a:r>
-                        <a:rPr lang="en-US" sz="1200" dirty="0" smtClean="0">
-                          <a:latin typeface="SF UI Text"/>
-                        </a:rPr>
-                        <a:t>#4</a:t>
-                      </a:r>
-                      <a:endParaRPr lang="en-US" sz="1200" dirty="0" smtClean="0">
-                        <a:latin typeface="SF UI Text"/>
-                      </a:endParaRPr>
                     </a:p>
                     <a:p>
                       <a:pPr algn="r"/>
@@ -12512,31 +12446,13 @@
                         <a:rPr lang="en-US" sz="900" dirty="0" smtClean="0">
                           <a:latin typeface="SF UI Text"/>
                         </a:rPr>
-                        <a:t>W </a:t>
-                      </a:r>
-                      <a:r>
-                        <a:rPr lang="en-US" sz="900" dirty="0" smtClean="0">
-                          <a:latin typeface="SF UI Text"/>
-                        </a:rPr>
-                        <a:t>| </a:t>
-                      </a:r>
-                      <a:r>
-                        <a:rPr lang="en-US" sz="900" dirty="0" smtClean="0">
-                          <a:latin typeface="SF UI Text"/>
-                        </a:rPr>
-                        <a:t>F 10:30</a:t>
+                        <a:t>W | F 10:30</a:t>
                       </a:r>
                       <a:r>
                         <a:rPr lang="en-US" sz="900" baseline="0" dirty="0" smtClean="0">
                           <a:latin typeface="SF UI Text"/>
                         </a:rPr>
-                        <a:t> a.m</a:t>
-                      </a:r>
-                      <a:r>
-                        <a:rPr lang="en-US" sz="900" baseline="0" dirty="0" smtClean="0">
-                          <a:latin typeface="SF UI Text"/>
-                        </a:rPr>
-                        <a:t>.</a:t>
+                        <a:t> a.m.</a:t>
                       </a:r>
                       <a:endParaRPr lang="en-US" sz="800" dirty="0">
                         <a:latin typeface="SF UI Text"/>
@@ -12589,7 +12505,7 @@
             </a:avLst>
           </a:prstGeom>
           <a:solidFill>
-            <a:srgbClr val="B4B4B4"/>
+            <a:schemeClr val="bg2"/>
           </a:solidFill>
           <a:ln>
             <a:solidFill>
@@ -12696,7 +12612,7 @@
             </a:avLst>
           </a:prstGeom>
           <a:solidFill>
-            <a:srgbClr val="B4B4B4"/>
+            <a:schemeClr val="bg2"/>
           </a:solidFill>
           <a:ln>
             <a:solidFill>
@@ -12801,7 +12717,7 @@
             </a:avLst>
           </a:prstGeom>
           <a:solidFill>
-            <a:srgbClr val="B4B4B4"/>
+            <a:schemeClr val="bg2"/>
           </a:solidFill>
           <a:ln>
             <a:solidFill>
@@ -12871,7 +12787,7 @@
             </a:avLst>
           </a:prstGeom>
           <a:solidFill>
-            <a:srgbClr val="B4B4B4"/>
+            <a:schemeClr val="bg2"/>
           </a:solidFill>
           <a:ln>
             <a:solidFill>
@@ -12941,7 +12857,7 @@
             </a:avLst>
           </a:prstGeom>
           <a:solidFill>
-            <a:srgbClr val="B4B4B4"/>
+            <a:schemeClr val="bg2"/>
           </a:solidFill>
           <a:ln>
             <a:solidFill>
@@ -13036,13 +12952,13 @@
   <p:clrMapOvr>
     <a:masterClrMapping/>
   </p:clrMapOvr>
-  <mc:AlternateContent xmlns:mc="http://schemas.openxmlformats.org/markup-compatibility/2006">
-    <mc:Choice xmlns:p14="http://schemas.microsoft.com/office/powerpoint/2010/main" Requires="p14">
+  <mc:AlternateContent xmlns:mc="http://schemas.openxmlformats.org/markup-compatibility/2006" xmlns:p14="http://schemas.microsoft.com/office/powerpoint/2010/main">
+    <mc:Choice Requires="p14">
       <p:transition spd="slow" p14:dur="1300">
         <p14:pan/>
       </p:transition>
     </mc:Choice>
-    <mc:Fallback>
+    <mc:Fallback xmlns="">
       <p:transition spd="slow">
         <p:fade/>
       </p:transition>
@@ -13548,7 +13464,7 @@
             <a:avLst/>
           </a:prstGeom>
           <a:solidFill>
-            <a:srgbClr val="B4B4B4"/>
+            <a:schemeClr val="bg2"/>
           </a:solidFill>
           <a:ln>
             <a:noFill/>
@@ -13815,7 +13731,7 @@
             <a:avLst/>
           </a:prstGeom>
           <a:solidFill>
-            <a:srgbClr val="B4B4B4"/>
+            <a:schemeClr val="bg2"/>
           </a:solidFill>
           <a:ln>
             <a:noFill/>
@@ -13933,7 +13849,7 @@
               <a:avLst/>
             </a:prstGeom>
             <a:solidFill>
-              <a:srgbClr val="B4B4B4"/>
+              <a:schemeClr val="bg2"/>
             </a:solidFill>
             <a:ln>
               <a:noFill/>
@@ -14063,7 +13979,7 @@
               <a:avLst/>
             </a:prstGeom>
             <a:solidFill>
-              <a:srgbClr val="B4B4B4"/>
+              <a:schemeClr val="bg2"/>
             </a:solidFill>
             <a:ln>
               <a:noFill/>
@@ -14193,7 +14109,7 @@
               <a:avLst/>
             </a:prstGeom>
             <a:solidFill>
-              <a:srgbClr val="B4B4B4"/>
+              <a:schemeClr val="bg2"/>
             </a:solidFill>
             <a:ln>
               <a:noFill/>
@@ -14323,7 +14239,7 @@
               <a:avLst/>
             </a:prstGeom>
             <a:solidFill>
-              <a:srgbClr val="B4B4B4"/>
+              <a:schemeClr val="bg2"/>
             </a:solidFill>
             <a:ln>
               <a:noFill/>
@@ -14469,7 +14385,7 @@
             <a:avLst/>
           </a:prstGeom>
           <a:solidFill>
-            <a:srgbClr val="B4B4B4"/>
+            <a:schemeClr val="bg2"/>
           </a:solidFill>
           <a:ln>
             <a:solidFill>
@@ -14899,7 +14815,7 @@
             <a:avLst/>
           </a:prstGeom>
           <a:solidFill>
-            <a:srgbClr val="B4B4B4"/>
+            <a:schemeClr val="bg2"/>
           </a:solidFill>
           <a:ln>
             <a:solidFill>
@@ -15334,7 +15250,7 @@
             </a:avLst>
           </a:prstGeom>
           <a:solidFill>
-            <a:srgbClr val="B4B4B4"/>
+            <a:schemeClr val="bg2"/>
           </a:solidFill>
           <a:ln>
             <a:solidFill>
@@ -15369,9 +15285,6 @@
               </a:rPr>
               <a:t>Help Menu</a:t>
             </a:r>
-            <a:endParaRPr lang="en-US" sz="1200" dirty="0" smtClean="0">
-              <a:latin typeface="SF UI Text"/>
-            </a:endParaRPr>
           </a:p>
           <a:p>
             <a:pPr algn="ctr"/>
@@ -15419,7 +15332,7 @@
             </a:avLst>
           </a:prstGeom>
           <a:solidFill>
-            <a:srgbClr val="B4B4B4"/>
+            <a:schemeClr val="bg2"/>
           </a:solidFill>
           <a:ln>
             <a:solidFill>
@@ -15489,7 +15402,7 @@
             </a:avLst>
           </a:prstGeom>
           <a:solidFill>
-            <a:srgbClr val="B4B4B4"/>
+            <a:schemeClr val="bg2"/>
           </a:solidFill>
           <a:ln>
             <a:solidFill>
@@ -15524,9 +15437,6 @@
               </a:rPr>
               <a:t>Name of Course</a:t>
             </a:r>
-            <a:endParaRPr lang="en-US" sz="1200" dirty="0" smtClean="0">
-              <a:latin typeface="SF UI Text"/>
-            </a:endParaRPr>
           </a:p>
           <a:p>
             <a:pPr algn="ctr"/>
@@ -15562,7 +15472,7 @@
             </a:avLst>
           </a:prstGeom>
           <a:solidFill>
-            <a:srgbClr val="B4B4B4"/>
+            <a:schemeClr val="bg2"/>
           </a:solidFill>
           <a:ln>
             <a:solidFill>
@@ -15597,9 +15507,6 @@
               </a:rPr>
               <a:t>Forums</a:t>
             </a:r>
-            <a:endParaRPr lang="en-US" sz="1200" dirty="0" smtClean="0">
-              <a:latin typeface="SF UI Text"/>
-            </a:endParaRPr>
           </a:p>
           <a:p>
             <a:pPr algn="ctr"/>
@@ -15647,7 +15554,7 @@
             </a:avLst>
           </a:prstGeom>
           <a:solidFill>
-            <a:srgbClr val="B4B4B4"/>
+            <a:schemeClr val="bg2"/>
           </a:solidFill>
           <a:ln>
             <a:solidFill>
@@ -15682,9 +15589,6 @@
               </a:rPr>
               <a:t>Assignments</a:t>
             </a:r>
-            <a:endParaRPr lang="en-US" sz="1200" dirty="0" smtClean="0">
-              <a:latin typeface="SF UI Text"/>
-            </a:endParaRPr>
           </a:p>
           <a:p>
             <a:pPr algn="ctr"/>
@@ -15729,7 +15633,7 @@
             </a:avLst>
           </a:prstGeom>
           <a:solidFill>
-            <a:srgbClr val="B4B4B4"/>
+            <a:schemeClr val="bg2"/>
           </a:solidFill>
           <a:ln>
             <a:solidFill>
@@ -15799,7 +15703,7 @@
             </a:avLst>
           </a:prstGeom>
           <a:solidFill>
-            <a:srgbClr val="B4B4B4"/>
+            <a:schemeClr val="bg2"/>
           </a:solidFill>
           <a:ln>
             <a:solidFill>
@@ -15834,9 +15738,6 @@
               </a:rPr>
               <a:t>Action Items</a:t>
             </a:r>
-            <a:endParaRPr lang="en-US" sz="1200" dirty="0" smtClean="0">
-              <a:latin typeface="SF UI Text"/>
-            </a:endParaRPr>
           </a:p>
           <a:p>
             <a:pPr algn="ctr"/>
@@ -15872,7 +15773,7 @@
             </a:avLst>
           </a:prstGeom>
           <a:solidFill>
-            <a:srgbClr val="B4B4B4"/>
+            <a:schemeClr val="bg2"/>
           </a:solidFill>
           <a:ln>
             <a:solidFill>
@@ -15907,9 +15808,6 @@
               </a:rPr>
               <a:t>Tab Bar</a:t>
             </a:r>
-            <a:endParaRPr lang="en-US" sz="1200" dirty="0" smtClean="0">
-              <a:latin typeface="SF UI Text"/>
-            </a:endParaRPr>
           </a:p>
           <a:p>
             <a:pPr algn="ctr"/>
@@ -16017,13 +15915,13 @@
   <p:clrMapOvr>
     <a:masterClrMapping/>
   </p:clrMapOvr>
-  <mc:AlternateContent xmlns:mc="http://schemas.openxmlformats.org/markup-compatibility/2006">
-    <mc:Choice xmlns:p14="http://schemas.microsoft.com/office/powerpoint/2010/main" Requires="p14">
+  <mc:AlternateContent xmlns:mc="http://schemas.openxmlformats.org/markup-compatibility/2006" xmlns:p14="http://schemas.microsoft.com/office/powerpoint/2010/main">
+    <mc:Choice Requires="p14">
       <p:transition spd="slow" p14:dur="1300">
         <p14:pan/>
       </p:transition>
     </mc:Choice>
-    <mc:Fallback>
+    <mc:Fallback xmlns="">
       <p:transition spd="slow">
         <p:fade/>
       </p:transition>
@@ -16439,7 +16337,7 @@
 <file path=ppt/theme/theme1.xml><?xml version="1.0" encoding="utf-8"?>
 <a:theme xmlns:a="http://schemas.openxmlformats.org/drawingml/2006/main" name="Office Theme">
   <a:themeElements>
-    <a:clrScheme name="Office">
+    <a:clrScheme name="Custom 8">
       <a:dk1>
         <a:sysClr val="windowText" lastClr="000000"/>
       </a:dk1>
@@ -16447,34 +16345,34 @@
         <a:sysClr val="window" lastClr="FFFFFF"/>
       </a:lt1>
       <a:dk2>
-        <a:srgbClr val="44546A"/>
+        <a:srgbClr val="454551"/>
       </a:dk2>
       <a:lt2>
-        <a:srgbClr val="E7E6E6"/>
+        <a:srgbClr val="589BA8"/>
       </a:lt2>
       <a:accent1>
-        <a:srgbClr val="4472C4"/>
+        <a:srgbClr val="E32D91"/>
       </a:accent1>
       <a:accent2>
-        <a:srgbClr val="ED7D31"/>
+        <a:srgbClr val="C830CC"/>
       </a:accent2>
       <a:accent3>
-        <a:srgbClr val="A5A5A5"/>
+        <a:srgbClr val="4EA6DC"/>
       </a:accent3>
       <a:accent4>
-        <a:srgbClr val="FFC000"/>
+        <a:srgbClr val="4775E7"/>
       </a:accent4>
       <a:accent5>
-        <a:srgbClr val="5B9BD5"/>
+        <a:srgbClr val="8971E1"/>
       </a:accent5>
       <a:accent6>
-        <a:srgbClr val="70AD47"/>
+        <a:srgbClr val="D54773"/>
       </a:accent6>
       <a:hlink>
-        <a:srgbClr val="0563C1"/>
+        <a:srgbClr val="6B9F25"/>
       </a:hlink>
       <a:folHlink>
-        <a:srgbClr val="954F72"/>
+        <a:srgbClr val="8C8C8C"/>
       </a:folHlink>
     </a:clrScheme>
     <a:fontScheme name="Office">
